--- a/.github/APIs.pptx
+++ b/.github/APIs.pptx
@@ -107,6 +107,11 @@
       </a:defRPr>
     </a:lvl9pPr>
   </p:defaultTextStyle>
+  <p:extLst>
+    <p:ext uri="{EFAFB233-063F-42B5-8137-9DF3F51BA10A}">
+      <p15:sldGuideLst xmlns:p15="http://schemas.microsoft.com/office/powerpoint/2012/main"/>
+    </p:ext>
+  </p:extLst>
 </p:presentation>
 </file>
 
@@ -3988,15 +3993,7 @@
             </a:r>
             <a:r>
               <a:rPr lang="en-US" sz="1600" b="1" dirty="0"/>
-              <a:t>/prediction/?</a:t>
-            </a:r>
-            <a:r>
-              <a:rPr lang="en-US" sz="1600" b="1" dirty="0" err="1"/>
-              <a:t>generate_report</a:t>
-            </a:r>
-            <a:r>
-              <a:rPr lang="en-US" sz="1600" b="1" dirty="0"/>
-              <a:t>=true</a:t>
+              <a:t>/prediction/?generate_report=true</a:t>
             </a:r>
             <a:endParaRPr lang="en-US" sz="1600" dirty="0"/>
           </a:p>
@@ -4021,19 +4018,11 @@
             </a:pPr>
             <a:r>
               <a:rPr lang="en-US" sz="1600" dirty="0"/>
-              <a:t>Header: ‘</a:t>
+              <a:t>Header: ‘x-</a:t>
             </a:r>
             <a:r>
               <a:rPr lang="en-US" sz="1600" b="1" dirty="0"/>
-              <a:t>x-</a:t>
-            </a:r>
-            <a:r>
-              <a:rPr lang="en-US" sz="1600" b="1" dirty="0" err="1"/>
-              <a:t>api</a:t>
-            </a:r>
-            <a:r>
-              <a:rPr lang="en-US" sz="1600" b="1" dirty="0"/>
-              <a:t>-key: “secret’</a:t>
+              <a:t>api-key: “secret’</a:t>
             </a:r>
           </a:p>
         </p:txBody>
@@ -4193,12 +4182,8 @@
           <a:lstStyle/>
           <a:p>
             <a:r>
-              <a:rPr lang="en-US" sz="1100" dirty="0" err="1"/>
-              <a:t>generate_report</a:t>
-            </a:r>
-            <a:r>
               <a:rPr lang="en-US" sz="1100" dirty="0"/>
-              <a:t>=true</a:t>
+              <a:t>generate_report=true</a:t>
             </a:r>
           </a:p>
         </p:txBody>
